--- a/TVCHH/TVCHH 040 - Giê-hô-va Nissi.pptx
+++ b/TVCHH/TVCHH 040 - Giê-hô-va Nissi.pptx
@@ -111,6 +111,11 @@
       </a:defRPr>
     </a:lvl9pPr>
   </p:defaultTextStyle>
+  <p:extLst>
+    <p:ext uri="{EFAFB233-063F-42B5-8137-9DF3F51BA10A}">
+      <p15:sldGuideLst xmlns:p15="http://schemas.microsoft.com/office/powerpoint/2012/main"/>
+    </p:ext>
+  </p:extLst>
 </p:presentation>
 </file>
 
@@ -156,10 +161,9 @@
           </a:lstStyle>
           <a:p>
             <a:r>
-              <a:rPr lang="en-US" smtClean="0"/>
+              <a:rPr lang="en-US"/>
               <a:t>Click to edit Master title style</a:t>
             </a:r>
-            <a:endParaRPr lang="en-US"/>
           </a:p>
         </p:txBody>
       </p:sp>
@@ -221,10 +225,9 @@
           </a:lstStyle>
           <a:p>
             <a:r>
-              <a:rPr lang="en-US" smtClean="0"/>
+              <a:rPr lang="en-US"/>
               <a:t>Click to edit Master subtitle style</a:t>
             </a:r>
-            <a:endParaRPr lang="en-US"/>
           </a:p>
         </p:txBody>
       </p:sp>
@@ -252,7 +255,7 @@
                 </a:solidFill>
               </a:rPr>
               <a:pPr/>
-              <a:t>3/26/2013</a:t>
+              <a:t>8/31/19</a:t>
             </a:fld>
             <a:endParaRPr lang="en-US">
               <a:solidFill>
@@ -380,10 +383,9 @@
           </a:lstStyle>
           <a:p>
             <a:r>
-              <a:rPr lang="en-US" smtClean="0"/>
+              <a:rPr lang="en-US"/>
               <a:t>Click to edit Master title style</a:t>
             </a:r>
-            <a:endParaRPr lang="en-US"/>
           </a:p>
         </p:txBody>
       </p:sp>
@@ -445,10 +447,9 @@
           </a:lstStyle>
           <a:p>
             <a:r>
-              <a:rPr lang="en-US" smtClean="0"/>
+              <a:rPr lang="en-US"/>
               <a:t>Click to edit Master subtitle style</a:t>
             </a:r>
-            <a:endParaRPr lang="en-US"/>
           </a:p>
         </p:txBody>
       </p:sp>
@@ -476,7 +477,7 @@
                 </a:solidFill>
               </a:rPr>
               <a:pPr/>
-              <a:t>3/26/2013</a:t>
+              <a:t>8/31/19</a:t>
             </a:fld>
             <a:endParaRPr lang="en-US">
               <a:solidFill>
@@ -619,10 +620,9 @@
           <a:lstStyle/>
           <a:p>
             <a:r>
-              <a:rPr lang="en-US" smtClean="0"/>
+              <a:rPr lang="en-US"/>
               <a:t>Click to edit Master title style</a:t>
             </a:r>
-            <a:endParaRPr lang="en-US"/>
           </a:p>
         </p:txBody>
       </p:sp>
@@ -653,38 +653,37 @@
           <a:p>
             <a:pPr lvl="0"/>
             <a:r>
-              <a:rPr lang="en-US" smtClean="0"/>
+              <a:rPr lang="en-US"/>
               <a:t>Click to edit Master text styles</a:t>
             </a:r>
           </a:p>
           <a:p>
             <a:pPr lvl="1"/>
             <a:r>
-              <a:rPr lang="en-US" smtClean="0"/>
+              <a:rPr lang="en-US"/>
               <a:t>Second level</a:t>
             </a:r>
           </a:p>
           <a:p>
             <a:pPr lvl="2"/>
             <a:r>
-              <a:rPr lang="en-US" smtClean="0"/>
+              <a:rPr lang="en-US"/>
               <a:t>Third level</a:t>
             </a:r>
           </a:p>
           <a:p>
             <a:pPr lvl="3"/>
             <a:r>
-              <a:rPr lang="en-US" smtClean="0"/>
+              <a:rPr lang="en-US"/>
               <a:t>Fourth level</a:t>
             </a:r>
           </a:p>
           <a:p>
             <a:pPr lvl="4"/>
             <a:r>
-              <a:rPr lang="en-US" smtClean="0"/>
+              <a:rPr lang="en-US"/>
               <a:t>Fifth level</a:t>
             </a:r>
-            <a:endParaRPr lang="en-US"/>
           </a:p>
         </p:txBody>
       </p:sp>
@@ -730,7 +729,7 @@
                 </a:solidFill>
               </a:rPr>
               <a:pPr/>
-              <a:t>3/26/2013</a:t>
+              <a:t>8/31/19</a:t>
             </a:fld>
             <a:endParaRPr lang="en-US">
               <a:solidFill>
@@ -1190,10 +1189,9 @@
           <a:lstStyle/>
           <a:p>
             <a:r>
-              <a:rPr lang="en-US" smtClean="0"/>
+              <a:rPr lang="en-US"/>
               <a:t>Click to edit Master title style</a:t>
             </a:r>
-            <a:endParaRPr lang="en-US"/>
           </a:p>
         </p:txBody>
       </p:sp>
@@ -1224,38 +1222,37 @@
           <a:p>
             <a:pPr lvl="0"/>
             <a:r>
-              <a:rPr lang="en-US" smtClean="0"/>
+              <a:rPr lang="en-US"/>
               <a:t>Click to edit Master text styles</a:t>
             </a:r>
           </a:p>
           <a:p>
             <a:pPr lvl="1"/>
             <a:r>
-              <a:rPr lang="en-US" smtClean="0"/>
+              <a:rPr lang="en-US"/>
               <a:t>Second level</a:t>
             </a:r>
           </a:p>
           <a:p>
             <a:pPr lvl="2"/>
             <a:r>
-              <a:rPr lang="en-US" smtClean="0"/>
+              <a:rPr lang="en-US"/>
               <a:t>Third level</a:t>
             </a:r>
           </a:p>
           <a:p>
             <a:pPr lvl="3"/>
             <a:r>
-              <a:rPr lang="en-US" smtClean="0"/>
+              <a:rPr lang="en-US"/>
               <a:t>Fourth level</a:t>
             </a:r>
           </a:p>
           <a:p>
             <a:pPr lvl="4"/>
             <a:r>
-              <a:rPr lang="en-US" smtClean="0"/>
+              <a:rPr lang="en-US"/>
               <a:t>Fifth level</a:t>
             </a:r>
-            <a:endParaRPr lang="en-US"/>
           </a:p>
         </p:txBody>
       </p:sp>
@@ -1301,7 +1298,7 @@
                 </a:solidFill>
               </a:rPr>
               <a:pPr/>
-              <a:t>3/26/2013</a:t>
+              <a:t>8/31/19</a:t>
             </a:fld>
             <a:endParaRPr lang="en-US">
               <a:solidFill>
@@ -1769,7 +1766,7 @@
         </p:nvSpPr>
         <p:spPr>
           <a:xfrm>
-            <a:off x="207264" y="2487326"/>
+            <a:off x="1110234" y="2430176"/>
             <a:ext cx="6449568" cy="2308324"/>
           </a:xfrm>
           <a:prstGeom prst="rect">
@@ -1784,7 +1781,7 @@
           <a:p>
             <a:pPr algn="ctr"/>
             <a:r>
-              <a:rPr lang="en-US" sz="7200" b="1" smtClean="0">
+              <a:rPr lang="en-US" sz="7200" b="1" dirty="0">
                 <a:ln w="11430"/>
                 <a:solidFill>
                   <a:srgbClr val="FFFF00"/>
@@ -1799,7 +1796,7 @@
                     </a:srgbClr>
                   </a:outerShdw>
                 </a:effectLst>
-                <a:latin typeface="HP-Bank" panose="020B0603050302020204" pitchFamily="34" charset="0"/>
+                <a:latin typeface="VNI-Times" pitchFamily="2" charset="0"/>
               </a:rPr>
               <a:t>GIEÂ-HOÂ-VA NISSI</a:t>
             </a:r>
@@ -1816,25 +1813,18 @@
   <p:clrMapOvr>
     <a:masterClrMapping/>
   </p:clrMapOvr>
-  <mc:AlternateContent xmlns:mc="http://schemas.openxmlformats.org/markup-compatibility/2006">
-    <mc:Choice xmlns:p14="http://schemas.microsoft.com/office/powerpoint/2010/main" Requires="p14">
+  <mc:AlternateContent xmlns:mc="http://schemas.openxmlformats.org/markup-compatibility/2006" xmlns:p14="http://schemas.microsoft.com/office/powerpoint/2010/main">
+    <mc:Choice Requires="p14">
       <p:transition spd="slow" p14:dur="800">
         <p:circle/>
       </p:transition>
     </mc:Choice>
-    <mc:Fallback>
+    <mc:Fallback xmlns="">
       <p:transition spd="slow">
         <p:circle/>
       </p:transition>
     </mc:Fallback>
   </mc:AlternateContent>
-  <p:timing>
-    <p:tnLst>
-      <p:par>
-        <p:cTn id="1" dur="indefinite" restart="never" nodeType="tmRoot"/>
-      </p:par>
-    </p:tnLst>
-  </p:timing>
 </p:sld>
 </file>
 
@@ -1879,7 +1869,7 @@
           <a:p>
             <a:pPr algn="ctr"/>
             <a:r>
-              <a:rPr lang="en-US" sz="4000" b="1" smtClean="0">
+              <a:rPr lang="en-US" sz="4000" b="1" dirty="0">
                 <a:ln w="11430"/>
                 <a:solidFill>
                   <a:srgbClr val="FFFF00"/>
@@ -1894,7 +1884,7 @@
                     </a:srgbClr>
                   </a:outerShdw>
                 </a:effectLst>
-                <a:latin typeface="HP-Bank" panose="020B0603050302020204" pitchFamily="34" charset="0"/>
+                <a:latin typeface="VNI-Times" pitchFamily="2" charset="0"/>
               </a:rPr>
               <a:t>GIEÂ-HOÂ-VA NISSI</a:t>
             </a:r>
@@ -1944,23 +1934,135 @@
               </a:spcAft>
             </a:pPr>
             <a:r>
-              <a:rPr lang="en-US" sz="6600" b="1">
-                <a:solidFill>
-                  <a:prstClr val="black"/>
-                </a:solidFill>
-                <a:effectLst>
-                  <a:glow rad="127000">
-                    <a:prstClr val="white"/>
-                  </a:glow>
-                </a:effectLst>
-                <a:latin typeface="VNI-Aptima" pitchFamily="2" charset="0"/>
-                <a:ea typeface="Times New Roman" pitchFamily="18" charset="0"/>
-                <a:cs typeface="Times New Roman" pitchFamily="18" charset="0"/>
-              </a:rPr>
-              <a:t>Haõy caát tieáâng haùt </a:t>
+              <a:rPr lang="en-US" sz="6600" b="1" dirty="0" err="1">
+                <a:solidFill>
+                  <a:prstClr val="black"/>
+                </a:solidFill>
+                <a:effectLst>
+                  <a:glow rad="127000">
+                    <a:prstClr val="white"/>
+                  </a:glow>
+                </a:effectLst>
+                <a:latin typeface="VNI-Aptima" pitchFamily="2" charset="0"/>
+                <a:ea typeface="Times New Roman" pitchFamily="18" charset="0"/>
+                <a:cs typeface="Times New Roman" pitchFamily="18" charset="0"/>
+              </a:rPr>
+              <a:t>Haõy</a:t>
+            </a:r>
+            <a:r>
+              <a:rPr lang="en-US" sz="6600" b="1" dirty="0">
+                <a:solidFill>
+                  <a:prstClr val="black"/>
+                </a:solidFill>
+                <a:effectLst>
+                  <a:glow rad="127000">
+                    <a:prstClr val="white"/>
+                  </a:glow>
+                </a:effectLst>
+                <a:latin typeface="VNI-Aptima" pitchFamily="2" charset="0"/>
+                <a:ea typeface="Times New Roman" pitchFamily="18" charset="0"/>
+                <a:cs typeface="Times New Roman" pitchFamily="18" charset="0"/>
+              </a:rPr>
+              <a:t> </a:t>
+            </a:r>
+            <a:r>
+              <a:rPr lang="en-US" sz="6600" b="1" dirty="0" err="1">
+                <a:solidFill>
+                  <a:prstClr val="black"/>
+                </a:solidFill>
+                <a:effectLst>
+                  <a:glow rad="127000">
+                    <a:prstClr val="white"/>
+                  </a:glow>
+                </a:effectLst>
+                <a:latin typeface="VNI-Aptima" pitchFamily="2" charset="0"/>
+                <a:ea typeface="Times New Roman" pitchFamily="18" charset="0"/>
+                <a:cs typeface="Times New Roman" pitchFamily="18" charset="0"/>
+              </a:rPr>
+              <a:t>caát</a:t>
+            </a:r>
+            <a:r>
+              <a:rPr lang="en-US" sz="6600" b="1" dirty="0">
+                <a:solidFill>
+                  <a:prstClr val="black"/>
+                </a:solidFill>
+                <a:effectLst>
+                  <a:glow rad="127000">
+                    <a:prstClr val="white"/>
+                  </a:glow>
+                </a:effectLst>
+                <a:latin typeface="VNI-Aptima" pitchFamily="2" charset="0"/>
+                <a:ea typeface="Times New Roman" pitchFamily="18" charset="0"/>
+                <a:cs typeface="Times New Roman" pitchFamily="18" charset="0"/>
+              </a:rPr>
+              <a:t> </a:t>
+            </a:r>
+            <a:r>
+              <a:rPr lang="en-US" sz="6600" b="1" dirty="0" err="1">
+                <a:solidFill>
+                  <a:prstClr val="black"/>
+                </a:solidFill>
+                <a:effectLst>
+                  <a:glow rad="127000">
+                    <a:prstClr val="white"/>
+                  </a:glow>
+                </a:effectLst>
+                <a:latin typeface="VNI-Aptima" pitchFamily="2" charset="0"/>
+                <a:ea typeface="Times New Roman" pitchFamily="18" charset="0"/>
+                <a:cs typeface="Times New Roman" pitchFamily="18" charset="0"/>
+              </a:rPr>
+              <a:t>tieáâng</a:t>
+            </a:r>
+            <a:r>
+              <a:rPr lang="en-US" sz="6600" b="1" dirty="0">
+                <a:solidFill>
+                  <a:prstClr val="black"/>
+                </a:solidFill>
+                <a:effectLst>
+                  <a:glow rad="127000">
+                    <a:prstClr val="white"/>
+                  </a:glow>
+                </a:effectLst>
+                <a:latin typeface="VNI-Aptima" pitchFamily="2" charset="0"/>
+                <a:ea typeface="Times New Roman" pitchFamily="18" charset="0"/>
+                <a:cs typeface="Times New Roman" pitchFamily="18" charset="0"/>
+              </a:rPr>
+              <a:t> </a:t>
+            </a:r>
+            <a:r>
+              <a:rPr lang="en-US" sz="6600" b="1" dirty="0" err="1">
+                <a:solidFill>
+                  <a:prstClr val="black"/>
+                </a:solidFill>
+                <a:effectLst>
+                  <a:glow rad="127000">
+                    <a:prstClr val="white"/>
+                  </a:glow>
+                </a:effectLst>
+                <a:latin typeface="VNI-Aptima" pitchFamily="2" charset="0"/>
+                <a:ea typeface="Times New Roman" pitchFamily="18" charset="0"/>
+                <a:cs typeface="Times New Roman" pitchFamily="18" charset="0"/>
+              </a:rPr>
+              <a:t>haùt</a:t>
+            </a:r>
+            <a:r>
+              <a:rPr lang="en-US" sz="6600" b="1" dirty="0">
+                <a:solidFill>
+                  <a:prstClr val="black"/>
+                </a:solidFill>
+                <a:effectLst>
+                  <a:glow rad="127000">
+                    <a:prstClr val="white"/>
+                  </a:glow>
+                </a:effectLst>
+                <a:latin typeface="VNI-Aptima" pitchFamily="2" charset="0"/>
+                <a:ea typeface="Times New Roman" pitchFamily="18" charset="0"/>
+                <a:cs typeface="Times New Roman" pitchFamily="18" charset="0"/>
+              </a:rPr>
+              <a:t> </a:t>
             </a:r>
             <a:br>
-              <a:rPr lang="en-US" sz="6600" b="1">
+              <a:rPr lang="en-US" sz="6600" b="1" dirty="0">
                 <a:solidFill>
                   <a:prstClr val="black"/>
                 </a:solidFill>
@@ -1975,71 +2077,103 @@
               </a:rPr>
             </a:br>
             <a:r>
-              <a:rPr lang="en-US" sz="6600" b="1">
-                <a:solidFill>
-                  <a:prstClr val="black"/>
-                </a:solidFill>
-                <a:effectLst>
-                  <a:glow rad="127000">
-                    <a:prstClr val="white"/>
-                  </a:glow>
-                </a:effectLst>
-                <a:latin typeface="VNI-Aptima" pitchFamily="2" charset="0"/>
-                <a:ea typeface="Times New Roman" pitchFamily="18" charset="0"/>
-                <a:cs typeface="Times New Roman" pitchFamily="18" charset="0"/>
-              </a:rPr>
-              <a:t>ngôïi </a:t>
-            </a:r>
-            <a:r>
-              <a:rPr lang="en-US" sz="6600" b="1">
-                <a:solidFill>
-                  <a:prstClr val="black"/>
-                </a:solidFill>
-                <a:effectLst>
-                  <a:glow rad="127000">
-                    <a:prstClr val="white"/>
-                  </a:glow>
-                </a:effectLst>
-                <a:latin typeface="VNI-Aptima" pitchFamily="2" charset="0"/>
-                <a:ea typeface="Times New Roman" pitchFamily="18" charset="0"/>
-                <a:cs typeface="Times New Roman" pitchFamily="18" charset="0"/>
-              </a:rPr>
-              <a:t>khen </a:t>
-            </a:r>
-            <a:r>
-              <a:rPr lang="en-US" sz="6600" b="1" smtClean="0">
-                <a:solidFill>
-                  <a:prstClr val="black"/>
-                </a:solidFill>
-                <a:effectLst>
-                  <a:glow rad="127000">
-                    <a:prstClr val="white"/>
-                  </a:glow>
-                </a:effectLst>
-                <a:latin typeface="VNI-Aptima" pitchFamily="2" charset="0"/>
-                <a:ea typeface="Times New Roman" pitchFamily="18" charset="0"/>
-                <a:cs typeface="Times New Roman" pitchFamily="18" charset="0"/>
-              </a:rPr>
-              <a:t>Chuùa, </a:t>
-            </a:r>
-            <a:r>
-              <a:rPr lang="en-US" sz="6600" b="1">
-                <a:solidFill>
-                  <a:prstClr val="black"/>
-                </a:solidFill>
-                <a:effectLst>
-                  <a:glow rad="127000">
-                    <a:prstClr val="white"/>
-                  </a:glow>
-                </a:effectLst>
-                <a:latin typeface="VNI-Aptima" pitchFamily="2" charset="0"/>
-                <a:ea typeface="Times New Roman" pitchFamily="18" charset="0"/>
-                <a:cs typeface="Times New Roman" pitchFamily="18" charset="0"/>
-              </a:rPr>
-              <a:t/>
+              <a:rPr lang="en-US" sz="6600" b="1" dirty="0" err="1">
+                <a:solidFill>
+                  <a:prstClr val="black"/>
+                </a:solidFill>
+                <a:effectLst>
+                  <a:glow rad="127000">
+                    <a:prstClr val="white"/>
+                  </a:glow>
+                </a:effectLst>
+                <a:latin typeface="VNI-Aptima" pitchFamily="2" charset="0"/>
+                <a:ea typeface="Times New Roman" pitchFamily="18" charset="0"/>
+                <a:cs typeface="Times New Roman" pitchFamily="18" charset="0"/>
+              </a:rPr>
+              <a:t>ngôïi</a:t>
+            </a:r>
+            <a:r>
+              <a:rPr lang="en-US" sz="6600" b="1" dirty="0">
+                <a:solidFill>
+                  <a:prstClr val="black"/>
+                </a:solidFill>
+                <a:effectLst>
+                  <a:glow rad="127000">
+                    <a:prstClr val="white"/>
+                  </a:glow>
+                </a:effectLst>
+                <a:latin typeface="VNI-Aptima" pitchFamily="2" charset="0"/>
+                <a:ea typeface="Times New Roman" pitchFamily="18" charset="0"/>
+                <a:cs typeface="Times New Roman" pitchFamily="18" charset="0"/>
+              </a:rPr>
+              <a:t> </a:t>
+            </a:r>
+            <a:r>
+              <a:rPr lang="en-US" sz="6600" b="1" dirty="0" err="1">
+                <a:solidFill>
+                  <a:prstClr val="black"/>
+                </a:solidFill>
+                <a:effectLst>
+                  <a:glow rad="127000">
+                    <a:prstClr val="white"/>
+                  </a:glow>
+                </a:effectLst>
+                <a:latin typeface="VNI-Aptima" pitchFamily="2" charset="0"/>
+                <a:ea typeface="Times New Roman" pitchFamily="18" charset="0"/>
+                <a:cs typeface="Times New Roman" pitchFamily="18" charset="0"/>
+              </a:rPr>
+              <a:t>khen</a:t>
+            </a:r>
+            <a:r>
+              <a:rPr lang="en-US" sz="6600" b="1" dirty="0">
+                <a:solidFill>
+                  <a:prstClr val="black"/>
+                </a:solidFill>
+                <a:effectLst>
+                  <a:glow rad="127000">
+                    <a:prstClr val="white"/>
+                  </a:glow>
+                </a:effectLst>
+                <a:latin typeface="VNI-Aptima" pitchFamily="2" charset="0"/>
+                <a:ea typeface="Times New Roman" pitchFamily="18" charset="0"/>
+                <a:cs typeface="Times New Roman" pitchFamily="18" charset="0"/>
+              </a:rPr>
+              <a:t> </a:t>
+            </a:r>
+            <a:r>
+              <a:rPr lang="en-US" sz="6600" b="1" dirty="0" err="1">
+                <a:solidFill>
+                  <a:prstClr val="black"/>
+                </a:solidFill>
+                <a:effectLst>
+                  <a:glow rad="127000">
+                    <a:prstClr val="white"/>
+                  </a:glow>
+                </a:effectLst>
+                <a:latin typeface="VNI-Aptima" pitchFamily="2" charset="0"/>
+                <a:ea typeface="Times New Roman" pitchFamily="18" charset="0"/>
+                <a:cs typeface="Times New Roman" pitchFamily="18" charset="0"/>
+              </a:rPr>
+              <a:t>Chuùa</a:t>
+            </a:r>
+            <a:r>
+              <a:rPr lang="en-US" sz="6600" b="1" dirty="0">
+                <a:solidFill>
+                  <a:prstClr val="black"/>
+                </a:solidFill>
+                <a:effectLst>
+                  <a:glow rad="127000">
+                    <a:prstClr val="white"/>
+                  </a:glow>
+                </a:effectLst>
+                <a:latin typeface="VNI-Aptima" pitchFamily="2" charset="0"/>
+                <a:ea typeface="Times New Roman" pitchFamily="18" charset="0"/>
+                <a:cs typeface="Times New Roman" pitchFamily="18" charset="0"/>
+              </a:rPr>
+              <a:t>, </a:t>
             </a:r>
             <a:br>
-              <a:rPr lang="en-US" sz="6600" b="1">
+              <a:rPr lang="en-US" sz="6600" b="1" dirty="0">
                 <a:solidFill>
                   <a:prstClr val="black"/>
                 </a:solidFill>
@@ -2054,20 +2188,100 @@
               </a:rPr>
             </a:br>
             <a:r>
-              <a:rPr lang="en-US" sz="6600" b="1">
-                <a:solidFill>
-                  <a:prstClr val="black"/>
-                </a:solidFill>
-                <a:effectLst>
-                  <a:glow rad="127000">
-                    <a:prstClr val="white"/>
-                  </a:glow>
-                </a:effectLst>
-                <a:latin typeface="VNI-Aptima" pitchFamily="2" charset="0"/>
-                <a:ea typeface="Times New Roman" pitchFamily="18" charset="0"/>
-                <a:cs typeface="Times New Roman" pitchFamily="18" charset="0"/>
-              </a:rPr>
-              <a:t>Gieâ-hoâ-va Nissi Nissi.</a:t>
+              <a:rPr lang="en-US" sz="6600" b="1" dirty="0" err="1">
+                <a:solidFill>
+                  <a:prstClr val="black"/>
+                </a:solidFill>
+                <a:effectLst>
+                  <a:glow rad="127000">
+                    <a:prstClr val="white"/>
+                  </a:glow>
+                </a:effectLst>
+                <a:latin typeface="VNI-Aptima" pitchFamily="2" charset="0"/>
+                <a:ea typeface="Times New Roman" pitchFamily="18" charset="0"/>
+                <a:cs typeface="Times New Roman" pitchFamily="18" charset="0"/>
+              </a:rPr>
+              <a:t>Gieâ-hoâ-va</a:t>
+            </a:r>
+            <a:r>
+              <a:rPr lang="en-US" sz="6600" b="1" dirty="0">
+                <a:solidFill>
+                  <a:prstClr val="black"/>
+                </a:solidFill>
+                <a:effectLst>
+                  <a:glow rad="127000">
+                    <a:prstClr val="white"/>
+                  </a:glow>
+                </a:effectLst>
+                <a:latin typeface="VNI-Aptima" pitchFamily="2" charset="0"/>
+                <a:ea typeface="Times New Roman" pitchFamily="18" charset="0"/>
+                <a:cs typeface="Times New Roman" pitchFamily="18" charset="0"/>
+              </a:rPr>
+              <a:t> </a:t>
+            </a:r>
+            <a:r>
+              <a:rPr lang="en-US" sz="6600" b="1" dirty="0" err="1">
+                <a:solidFill>
+                  <a:prstClr val="black"/>
+                </a:solidFill>
+                <a:effectLst>
+                  <a:glow rad="127000">
+                    <a:prstClr val="white"/>
+                  </a:glow>
+                </a:effectLst>
+                <a:latin typeface="VNI-Aptima" pitchFamily="2" charset="0"/>
+                <a:ea typeface="Times New Roman" pitchFamily="18" charset="0"/>
+                <a:cs typeface="Times New Roman" pitchFamily="18" charset="0"/>
+              </a:rPr>
+              <a:t>Nissi</a:t>
+            </a:r>
+            <a:r>
+              <a:rPr lang="en-US" sz="6600" b="1" dirty="0">
+                <a:solidFill>
+                  <a:prstClr val="black"/>
+                </a:solidFill>
+                <a:effectLst>
+                  <a:glow rad="127000">
+                    <a:prstClr val="white"/>
+                  </a:glow>
+                </a:effectLst>
+                <a:latin typeface="VNI-Aptima" pitchFamily="2" charset="0"/>
+                <a:ea typeface="Times New Roman" pitchFamily="18" charset="0"/>
+                <a:cs typeface="Times New Roman" pitchFamily="18" charset="0"/>
+              </a:rPr>
+              <a:t> </a:t>
+            </a:r>
+            <a:r>
+              <a:rPr lang="en-US" sz="6600" b="1" dirty="0" err="1">
+                <a:solidFill>
+                  <a:prstClr val="black"/>
+                </a:solidFill>
+                <a:effectLst>
+                  <a:glow rad="127000">
+                    <a:prstClr val="white"/>
+                  </a:glow>
+                </a:effectLst>
+                <a:latin typeface="VNI-Aptima" pitchFamily="2" charset="0"/>
+                <a:ea typeface="Times New Roman" pitchFamily="18" charset="0"/>
+                <a:cs typeface="Times New Roman" pitchFamily="18" charset="0"/>
+              </a:rPr>
+              <a:t>Nissi</a:t>
+            </a:r>
+            <a:r>
+              <a:rPr lang="en-US" sz="6600" b="1" dirty="0">
+                <a:solidFill>
+                  <a:prstClr val="black"/>
+                </a:solidFill>
+                <a:effectLst>
+                  <a:glow rad="127000">
+                    <a:prstClr val="white"/>
+                  </a:glow>
+                </a:effectLst>
+                <a:latin typeface="VNI-Aptima" pitchFamily="2" charset="0"/>
+                <a:ea typeface="Times New Roman" pitchFamily="18" charset="0"/>
+                <a:cs typeface="Times New Roman" pitchFamily="18" charset="0"/>
+              </a:rPr>
+              <a:t>.</a:t>
             </a:r>
           </a:p>
         </p:txBody>
@@ -2085,13 +2299,6 @@
   <p:transition spd="slow">
     <p:randomBar dir="vert"/>
   </p:transition>
-  <p:timing>
-    <p:tnLst>
-      <p:par>
-        <p:cTn id="1" dur="indefinite" restart="never" nodeType="tmRoot"/>
-      </p:par>
-    </p:tnLst>
-  </p:timing>
 </p:sld>
 </file>
 
@@ -2232,22 +2439,6 @@
               </a:rPr>
               <a:t>Ngaøi ban cho ta </a:t>
             </a:r>
-            <a:r>
-              <a:rPr lang="en-US" sz="6600" b="1">
-                <a:solidFill>
-                  <a:prstClr val="black"/>
-                </a:solidFill>
-                <a:effectLst>
-                  <a:glow rad="127000">
-                    <a:prstClr val="white"/>
-                  </a:glow>
-                </a:effectLst>
-                <a:latin typeface="VNI-Aptima" pitchFamily="2" charset="0"/>
-                <a:ea typeface="Times New Roman" pitchFamily="18" charset="0"/>
-                <a:cs typeface="Times New Roman" pitchFamily="18" charset="0"/>
-              </a:rPr>
-              <a:t/>
-            </a:r>
             <a:br>
               <a:rPr lang="en-US" sz="6600" b="1">
                 <a:solidFill>
@@ -2264,22 +2455,6 @@
               </a:rPr>
             </a:br>
             <a:r>
-              <a:rPr lang="en-US" sz="6600" b="1" smtClean="0">
-                <a:solidFill>
-                  <a:prstClr val="black"/>
-                </a:solidFill>
-                <a:effectLst>
-                  <a:glow rad="127000">
-                    <a:prstClr val="white"/>
-                  </a:glow>
-                </a:effectLst>
-                <a:latin typeface="VNI-Aptima" pitchFamily="2" charset="0"/>
-                <a:ea typeface="Times New Roman" pitchFamily="18" charset="0"/>
-                <a:cs typeface="Times New Roman" pitchFamily="18" charset="0"/>
-              </a:rPr>
-              <a:t>chieán </a:t>
-            </a:r>
-            <a:r>
               <a:rPr lang="en-US" sz="6600" b="1">
                 <a:solidFill>
                   <a:prstClr val="black"/>
@@ -2293,7 +2468,7 @@
                 <a:ea typeface="Times New Roman" pitchFamily="18" charset="0"/>
                 <a:cs typeface="Times New Roman" pitchFamily="18" charset="0"/>
               </a:rPr>
-              <a:t>thaéng theá gian.</a:t>
+              <a:t>chieán thaéng theá gian.</a:t>
             </a:r>
           </a:p>
         </p:txBody>
@@ -2322,7 +2497,7 @@
           <a:p>
             <a:pPr algn="ctr"/>
             <a:r>
-              <a:rPr lang="en-US" sz="4000" b="1" smtClean="0">
+              <a:rPr lang="en-US" sz="4000" b="1" dirty="0">
                 <a:ln w="11430"/>
                 <a:solidFill>
                   <a:srgbClr val="FFFF00"/>
@@ -2337,7 +2512,7 @@
                     </a:srgbClr>
                   </a:outerShdw>
                 </a:effectLst>
-                <a:latin typeface="HP-Bank" panose="020B0603050302020204" pitchFamily="34" charset="0"/>
+                <a:latin typeface="VNI-Times" pitchFamily="2" charset="0"/>
               </a:rPr>
               <a:t>GIEÂ-HOÂ-VA NISSI</a:t>
             </a:r>
@@ -2523,53 +2698,8 @@
                 <a:ea typeface="Times New Roman" pitchFamily="18" charset="0"/>
                 <a:cs typeface="Times New Roman" pitchFamily="18" charset="0"/>
               </a:rPr>
-              <a:t>ñaéc thaéng </a:t>
-            </a:r>
-            <a:r>
-              <a:rPr lang="en-US" sz="6600" b="1">
-                <a:solidFill>
-                  <a:prstClr val="black"/>
-                </a:solidFill>
-                <a:effectLst>
-                  <a:glow rad="127000">
-                    <a:prstClr val="white"/>
-                  </a:glow>
-                </a:effectLst>
-                <a:latin typeface="VNI-Aptima" pitchFamily="2" charset="0"/>
-                <a:ea typeface="Times New Roman" pitchFamily="18" charset="0"/>
-                <a:cs typeface="Times New Roman" pitchFamily="18" charset="0"/>
-              </a:rPr>
-              <a:t>beänh </a:t>
-            </a:r>
-            <a:r>
-              <a:rPr lang="en-US" sz="6600" b="1" smtClean="0">
-                <a:solidFill>
-                  <a:prstClr val="black"/>
-                </a:solidFill>
-                <a:effectLst>
-                  <a:glow rad="127000">
-                    <a:prstClr val="white"/>
-                  </a:glow>
-                </a:effectLst>
-                <a:latin typeface="VNI-Aptima" pitchFamily="2" charset="0"/>
-                <a:ea typeface="Times New Roman" pitchFamily="18" charset="0"/>
-                <a:cs typeface="Times New Roman" pitchFamily="18" charset="0"/>
-              </a:rPr>
-              <a:t>taät.</a:t>
-            </a:r>
-            <a:endParaRPr lang="en-US" sz="6600" b="1">
-              <a:solidFill>
-                <a:prstClr val="black"/>
-              </a:solidFill>
-              <a:effectLst>
-                <a:glow rad="127000">
-                  <a:prstClr val="white"/>
-                </a:glow>
-              </a:effectLst>
-              <a:latin typeface="VNI-Aptima" pitchFamily="2" charset="0"/>
-              <a:ea typeface="Times New Roman" pitchFamily="18" charset="0"/>
-              <a:cs typeface="Times New Roman" pitchFamily="18" charset="0"/>
-            </a:endParaRPr>
+              <a:t>ñaéc thaéng beänh taät.</a:t>
+            </a:r>
           </a:p>
         </p:txBody>
       </p:sp>
@@ -2597,7 +2727,7 @@
           <a:p>
             <a:pPr algn="ctr"/>
             <a:r>
-              <a:rPr lang="en-US" sz="4000" b="1" smtClean="0">
+              <a:rPr lang="en-US" sz="4000" b="1" dirty="0">
                 <a:ln w="11430"/>
                 <a:solidFill>
                   <a:srgbClr val="FFFF00"/>
@@ -2612,7 +2742,7 @@
                     </a:srgbClr>
                   </a:outerShdw>
                 </a:effectLst>
-                <a:latin typeface="HP-Bank" panose="020B0603050302020204" pitchFamily="34" charset="0"/>
+                <a:latin typeface="VNI-Times" pitchFamily="2" charset="0"/>
               </a:rPr>
               <a:t>GIEÂ-HOÂ-VA NISSI</a:t>
             </a:r>
@@ -2736,55 +2866,7 @@
                 <a:ea typeface="Times New Roman" pitchFamily="18" charset="0"/>
                 <a:cs typeface="Times New Roman" pitchFamily="18" charset="0"/>
               </a:rPr>
-              <a:t>ñaéc thaéng </a:t>
-            </a:r>
-            <a:r>
-              <a:rPr lang="en-US" sz="6600" b="1">
-                <a:solidFill>
-                  <a:prstClr val="black"/>
-                </a:solidFill>
-                <a:effectLst>
-                  <a:glow rad="127000">
-                    <a:prstClr val="white"/>
-                  </a:glow>
-                </a:effectLst>
-                <a:latin typeface="VNI-Aptima" pitchFamily="2" charset="0"/>
-                <a:ea typeface="Times New Roman" pitchFamily="18" charset="0"/>
-                <a:cs typeface="Times New Roman" pitchFamily="18" charset="0"/>
-              </a:rPr>
-              <a:t>buoàn </a:t>
-            </a:r>
-            <a:r>
-              <a:rPr lang="en-US" sz="6600" b="1" smtClean="0">
-                <a:solidFill>
-                  <a:prstClr val="black"/>
-                </a:solidFill>
-                <a:effectLst>
-                  <a:glow rad="127000">
-                    <a:prstClr val="white"/>
-                  </a:glow>
-                </a:effectLst>
-                <a:latin typeface="VNI-Aptima" pitchFamily="2" charset="0"/>
-                <a:ea typeface="Times New Roman" pitchFamily="18" charset="0"/>
-                <a:cs typeface="Times New Roman" pitchFamily="18" charset="0"/>
-              </a:rPr>
-              <a:t>chaùn,</a:t>
-            </a:r>
-            <a:r>
-              <a:rPr lang="en-US" sz="6600" b="1">
-                <a:solidFill>
-                  <a:prstClr val="black"/>
-                </a:solidFill>
-                <a:effectLst>
-                  <a:glow rad="127000">
-                    <a:prstClr val="white"/>
-                  </a:glow>
-                </a:effectLst>
-                <a:latin typeface="VNI-Aptima" pitchFamily="2" charset="0"/>
-                <a:ea typeface="Times New Roman" pitchFamily="18" charset="0"/>
-                <a:cs typeface="Times New Roman" pitchFamily="18" charset="0"/>
-              </a:rPr>
-              <a:t/>
+              <a:t>ñaéc thaéng buoàn chaùn,</a:t>
             </a:r>
             <a:br>
               <a:rPr lang="en-US" sz="6600" b="1">
@@ -2802,22 +2884,6 @@
               </a:rPr>
             </a:br>
             <a:r>
-              <a:rPr lang="en-US" sz="6600" b="1" smtClean="0">
-                <a:solidFill>
-                  <a:prstClr val="black"/>
-                </a:solidFill>
-                <a:effectLst>
-                  <a:glow rad="127000">
-                    <a:prstClr val="white"/>
-                  </a:glow>
-                </a:effectLst>
-                <a:latin typeface="VNI-Aptima" pitchFamily="2" charset="0"/>
-                <a:ea typeface="Times New Roman" pitchFamily="18" charset="0"/>
-                <a:cs typeface="Times New Roman" pitchFamily="18" charset="0"/>
-              </a:rPr>
-              <a:t>töø </a:t>
-            </a:r>
-            <a:r>
               <a:rPr lang="en-US" sz="6600" b="1">
                 <a:solidFill>
                   <a:prstClr val="black"/>
@@ -2831,7 +2897,7 @@
                 <a:ea typeface="Times New Roman" pitchFamily="18" charset="0"/>
                 <a:cs typeface="Times New Roman" pitchFamily="18" charset="0"/>
               </a:rPr>
-              <a:t>nay chieán thaéng </a:t>
+              <a:t>töø nay chieán thaéng </a:t>
             </a:r>
             <a:br>
               <a:rPr lang="en-US" sz="6600" b="1">
@@ -2891,7 +2957,7 @@
           <a:p>
             <a:pPr algn="ctr"/>
             <a:r>
-              <a:rPr lang="en-US" sz="4000" b="1" smtClean="0">
+              <a:rPr lang="en-US" sz="4000" b="1" dirty="0">
                 <a:ln w="11430"/>
                 <a:solidFill>
                   <a:srgbClr val="FFFF00"/>
@@ -2906,7 +2972,7 @@
                     </a:srgbClr>
                   </a:outerShdw>
                 </a:effectLst>
-                <a:latin typeface="HP-Bank" panose="020B0603050302020204" pitchFamily="34" charset="0"/>
+                <a:latin typeface="VNI-Times" pitchFamily="2" charset="0"/>
               </a:rPr>
               <a:t>GIEÂ-HOÂ-VA NISSI</a:t>
             </a:r>
@@ -2986,55 +3052,23 @@
               </a:spcAft>
             </a:pPr>
             <a:r>
-              <a:rPr lang="en-US" sz="6600" b="1" smtClean="0">
-                <a:solidFill>
-                  <a:prstClr val="black"/>
-                </a:solidFill>
-                <a:effectLst>
-                  <a:glow rad="127000">
-                    <a:prstClr val="white"/>
-                  </a:glow>
-                </a:effectLst>
-                <a:latin typeface="VNI-Aptima" pitchFamily="2" charset="0"/>
-                <a:ea typeface="Times New Roman" pitchFamily="18" charset="0"/>
-                <a:cs typeface="Times New Roman" pitchFamily="18" charset="0"/>
-              </a:rPr>
-              <a:t>A-men! A-men</a:t>
-            </a:r>
-            <a:r>
-              <a:rPr lang="en-US" sz="6600" b="1" smtClean="0">
-                <a:solidFill>
-                  <a:prstClr val="black"/>
-                </a:solidFill>
-                <a:effectLst>
-                  <a:glow rad="127000">
-                    <a:prstClr val="white"/>
-                  </a:glow>
-                </a:effectLst>
-                <a:latin typeface="VNI-Aptima" pitchFamily="2" charset="0"/>
-                <a:ea typeface="Times New Roman" pitchFamily="18" charset="0"/>
-                <a:cs typeface="Times New Roman" pitchFamily="18" charset="0"/>
-              </a:rPr>
-              <a:t>!</a:t>
-            </a:r>
-            <a:r>
-              <a:rPr lang="en-US" sz="6600" b="1" smtClean="0">
-                <a:solidFill>
-                  <a:prstClr val="black"/>
-                </a:solidFill>
-                <a:effectLst>
-                  <a:glow rad="127000">
-                    <a:prstClr val="white"/>
-                  </a:glow>
-                </a:effectLst>
-                <a:latin typeface="VNI-Aptima" pitchFamily="2" charset="0"/>
-                <a:ea typeface="Times New Roman" pitchFamily="18" charset="0"/>
-                <a:cs typeface="Times New Roman" pitchFamily="18" charset="0"/>
-              </a:rPr>
-              <a:t> </a:t>
+              <a:rPr lang="en-US" sz="6600" b="1">
+                <a:solidFill>
+                  <a:prstClr val="black"/>
+                </a:solidFill>
+                <a:effectLst>
+                  <a:glow rad="127000">
+                    <a:prstClr val="white"/>
+                  </a:glow>
+                </a:effectLst>
+                <a:latin typeface="VNI-Aptima" pitchFamily="2" charset="0"/>
+                <a:ea typeface="Times New Roman" pitchFamily="18" charset="0"/>
+                <a:cs typeface="Times New Roman" pitchFamily="18" charset="0"/>
+              </a:rPr>
+              <a:t>A-men! A-men! </a:t>
             </a:r>
             <a:br>
-              <a:rPr lang="en-US" sz="6600" b="1" smtClean="0">
+              <a:rPr lang="en-US" sz="6600" b="1">
                 <a:solidFill>
                   <a:prstClr val="black"/>
                 </a:solidFill>
@@ -3049,22 +3083,6 @@
               </a:rPr>
             </a:br>
             <a:r>
-              <a:rPr lang="en-US" sz="6600" b="1" smtClean="0">
-                <a:solidFill>
-                  <a:prstClr val="black"/>
-                </a:solidFill>
-                <a:effectLst>
-                  <a:glow rad="127000">
-                    <a:prstClr val="white"/>
-                  </a:glow>
-                </a:effectLst>
-                <a:latin typeface="VNI-Aptima" pitchFamily="2" charset="0"/>
-                <a:ea typeface="Times New Roman" pitchFamily="18" charset="0"/>
-                <a:cs typeface="Times New Roman" pitchFamily="18" charset="0"/>
-              </a:rPr>
-              <a:t>A-men! Caát </a:t>
-            </a:r>
-            <a:r>
               <a:rPr lang="en-US" sz="6600" b="1">
                 <a:solidFill>
                   <a:prstClr val="black"/>
@@ -3078,7 +3096,7 @@
                 <a:ea typeface="Times New Roman" pitchFamily="18" charset="0"/>
                 <a:cs typeface="Times New Roman" pitchFamily="18" charset="0"/>
               </a:rPr>
-              <a:t>tieáng haùt </a:t>
+              <a:t>A-men! Caát tieáng haùt </a:t>
             </a:r>
             <a:br>
               <a:rPr lang="en-US" sz="6600" b="1">
@@ -3138,7 +3156,7 @@
           <a:p>
             <a:pPr algn="ctr"/>
             <a:r>
-              <a:rPr lang="en-US" sz="4000" b="1" smtClean="0">
+              <a:rPr lang="en-US" sz="4000" b="1" dirty="0">
                 <a:ln w="11430"/>
                 <a:solidFill>
                   <a:srgbClr val="FFFF00"/>
@@ -3153,7 +3171,7 @@
                     </a:srgbClr>
                   </a:outerShdw>
                 </a:effectLst>
-                <a:latin typeface="HP-Bank" panose="020B0603050302020204" pitchFamily="34" charset="0"/>
+                <a:latin typeface="VNI-Times" pitchFamily="2" charset="0"/>
               </a:rPr>
               <a:t>GIEÂ-HOÂ-VA NISSI</a:t>
             </a:r>
@@ -3368,7 +3386,7 @@
           <a:p>
             <a:pPr algn="ctr"/>
             <a:r>
-              <a:rPr lang="en-US" sz="4000" b="1" smtClean="0">
+              <a:rPr lang="en-US" sz="4000" b="1" dirty="0">
                 <a:ln w="11430"/>
                 <a:solidFill>
                   <a:srgbClr val="FFFF00"/>
@@ -3383,7 +3401,7 @@
                     </a:srgbClr>
                   </a:outerShdw>
                 </a:effectLst>
-                <a:latin typeface="HP-Bank" panose="020B0603050302020204" pitchFamily="34" charset="0"/>
+                <a:latin typeface="VNI-Times" pitchFamily="2" charset="0"/>
               </a:rPr>
               <a:t>GIEÂ-HOÂ-VA NISSI</a:t>
             </a:r>
